--- a/MSJSlides.pptx
+++ b/MSJSlides.pptx
@@ -6309,7 +6309,7 @@
             <a:r>
               <a:rPr i="1" lang="en" sz="1600">
                 <a:highlight>
-                  <a:srgbClr val="FFFF00"/>
+                  <a:srgbClr val="FFE599"/>
                 </a:highlight>
                 <a:latin typeface="Courier New"/>
                 <a:ea typeface="Courier New"/>
@@ -6321,7 +6321,7 @@
             <a:r>
               <a:rPr b="1" i="1" lang="en" sz="1600">
                 <a:highlight>
-                  <a:srgbClr val="FFFF00"/>
+                  <a:srgbClr val="FFE599"/>
                 </a:highlight>
                 <a:latin typeface="Courier New"/>
                 <a:ea typeface="Courier New"/>
@@ -6333,7 +6333,7 @@
             <a:r>
               <a:rPr b="1" i="1" lang="en" sz="1600">
                 <a:highlight>
-                  <a:srgbClr val="FFFF00"/>
+                  <a:srgbClr val="FFE599"/>
                 </a:highlight>
                 <a:latin typeface="Courier New"/>
                 <a:ea typeface="Courier New"/>
@@ -6354,7 +6354,7 @@
             <a:r>
               <a:rPr i="1" lang="en" sz="1600">
                 <a:highlight>
-                  <a:srgbClr val="FF9900"/>
+                  <a:srgbClr val="F9CB9C"/>
                 </a:highlight>
                 <a:latin typeface="Courier New"/>
                 <a:ea typeface="Courier New"/>
